--- a/Documentacion/SISTEMA DE INFORMACIÓN PARA LA GESTIÓN DE ADMISIONES.pptx
+++ b/Documentacion/SISTEMA DE INFORMACIÓN PARA LA GESTIÓN DE ADMISIONES.pptx
@@ -239,7 +239,7 @@
           <a:p>
             <a:fld id="{C147F99B-E123-4CCA-9945-80901561A909}" type="datetimeFigureOut">
               <a:rPr lang="es-CO" smtClean="0"/>
-              <a:t>2/09/2017</a:t>
+              <a:t>02/09/2017</a:t>
             </a:fld>
             <a:endParaRPr lang="es-CO"/>
           </a:p>
@@ -2904,7 +2904,7 @@
             <a:fld id="{B61BEF0D-F0BB-DE4B-95CE-6DB70DBA9567}" type="datetimeFigureOut">
               <a:rPr lang="en-US" smtClean="0"/>
               <a:pPr/>
-              <a:t>9/1/2017</a:t>
+              <a:t>9/2/2017</a:t>
             </a:fld>
             <a:endParaRPr lang="en-US" dirty="0"/>
           </a:p>
@@ -3157,7 +3157,7 @@
             <a:fld id="{B61BEF0D-F0BB-DE4B-95CE-6DB70DBA9567}" type="datetimeFigureOut">
               <a:rPr lang="en-US" smtClean="0"/>
               <a:pPr/>
-              <a:t>9/1/2017</a:t>
+              <a:t>9/2/2017</a:t>
             </a:fld>
             <a:endParaRPr lang="en-US" dirty="0"/>
           </a:p>
@@ -3473,7 +3473,7 @@
             <a:fld id="{B61BEF0D-F0BB-DE4B-95CE-6DB70DBA9567}" type="datetimeFigureOut">
               <a:rPr lang="en-US" smtClean="0"/>
               <a:pPr/>
-              <a:t>9/1/2017</a:t>
+              <a:t>9/2/2017</a:t>
             </a:fld>
             <a:endParaRPr lang="en-US" dirty="0"/>
           </a:p>
@@ -3802,7 +3802,7 @@
             <a:fld id="{B61BEF0D-F0BB-DE4B-95CE-6DB70DBA9567}" type="datetimeFigureOut">
               <a:rPr lang="en-US" smtClean="0"/>
               <a:pPr/>
-              <a:t>9/1/2017</a:t>
+              <a:t>9/2/2017</a:t>
             </a:fld>
             <a:endParaRPr lang="en-US" dirty="0"/>
           </a:p>
@@ -4118,7 +4118,7 @@
             <a:fld id="{B61BEF0D-F0BB-DE4B-95CE-6DB70DBA9567}" type="datetimeFigureOut">
               <a:rPr lang="en-US" smtClean="0"/>
               <a:pPr/>
-              <a:t>9/1/2017</a:t>
+              <a:t>9/2/2017</a:t>
             </a:fld>
             <a:endParaRPr lang="en-US" dirty="0"/>
           </a:p>
@@ -4507,7 +4507,7 @@
             <a:fld id="{B61BEF0D-F0BB-DE4B-95CE-6DB70DBA9567}" type="datetimeFigureOut">
               <a:rPr lang="en-US" smtClean="0"/>
               <a:pPr/>
-              <a:t>9/1/2017</a:t>
+              <a:t>9/2/2017</a:t>
             </a:fld>
             <a:endParaRPr lang="en-US" dirty="0"/>
           </a:p>
@@ -4678,7 +4678,7 @@
           <a:p>
             <a:fld id="{55C6B4A9-1611-4792-9094-5F34BCA07E0B}" type="datetimeFigureOut">
               <a:rPr lang="en-US" smtClean="0"/>
-              <a:t>9/1/2017</a:t>
+              <a:t>9/2/2017</a:t>
             </a:fld>
             <a:endParaRPr lang="en-US" dirty="0"/>
           </a:p>
@@ -4859,7 +4859,7 @@
             <a:fld id="{B61BEF0D-F0BB-DE4B-95CE-6DB70DBA9567}" type="datetimeFigureOut">
               <a:rPr lang="en-US" smtClean="0"/>
               <a:pPr/>
-              <a:t>9/1/2017</a:t>
+              <a:t>9/2/2017</a:t>
             </a:fld>
             <a:endParaRPr lang="en-US" dirty="0"/>
           </a:p>
@@ -5037,7 +5037,7 @@
             <a:fld id="{B61BEF0D-F0BB-DE4B-95CE-6DB70DBA9567}" type="datetimeFigureOut">
               <a:rPr lang="en-US" smtClean="0"/>
               <a:pPr/>
-              <a:t>9/1/2017</a:t>
+              <a:t>9/2/2017</a:t>
             </a:fld>
             <a:endParaRPr lang="en-US" dirty="0"/>
           </a:p>
@@ -5286,7 +5286,7 @@
             <a:fld id="{B61BEF0D-F0BB-DE4B-95CE-6DB70DBA9567}" type="datetimeFigureOut">
               <a:rPr lang="en-US" smtClean="0"/>
               <a:pPr/>
-              <a:t>9/1/2017</a:t>
+              <a:t>9/2/2017</a:t>
             </a:fld>
             <a:endParaRPr lang="en-US" dirty="0"/>
           </a:p>
@@ -5519,7 +5519,7 @@
           <a:p>
             <a:fld id="{EB712588-04B1-427B-82EE-E8DB90309F08}" type="datetimeFigureOut">
               <a:rPr lang="en-US" smtClean="0"/>
-              <a:t>9/1/2017</a:t>
+              <a:t>9/2/2017</a:t>
             </a:fld>
             <a:endParaRPr lang="en-US" dirty="0"/>
           </a:p>
@@ -5894,7 +5894,7 @@
             <a:fld id="{B61BEF0D-F0BB-DE4B-95CE-6DB70DBA9567}" type="datetimeFigureOut">
               <a:rPr lang="en-US" smtClean="0"/>
               <a:pPr/>
-              <a:t>9/1/2017</a:t>
+              <a:t>9/2/2017</a:t>
             </a:fld>
             <a:endParaRPr lang="en-US" dirty="0"/>
           </a:p>
@@ -6019,7 +6019,7 @@
             <a:fld id="{B61BEF0D-F0BB-DE4B-95CE-6DB70DBA9567}" type="datetimeFigureOut">
               <a:rPr lang="en-US" smtClean="0"/>
               <a:pPr/>
-              <a:t>9/1/2017</a:t>
+              <a:t>9/2/2017</a:t>
             </a:fld>
             <a:endParaRPr lang="en-US" dirty="0"/>
           </a:p>
@@ -6116,7 +6116,7 @@
             <a:fld id="{B61BEF0D-F0BB-DE4B-95CE-6DB70DBA9567}" type="datetimeFigureOut">
               <a:rPr lang="en-US" smtClean="0"/>
               <a:pPr/>
-              <a:t>9/1/2017</a:t>
+              <a:t>9/2/2017</a:t>
             </a:fld>
             <a:endParaRPr lang="en-US" dirty="0"/>
           </a:p>
@@ -6372,7 +6372,7 @@
           <a:p>
             <a:fld id="{42A54C80-263E-416B-A8E0-580EDEADCBDC}" type="datetimeFigureOut">
               <a:rPr lang="en-US" smtClean="0"/>
-              <a:t>9/1/2017</a:t>
+              <a:t>9/2/2017</a:t>
             </a:fld>
             <a:endParaRPr lang="en-US" dirty="0"/>
           </a:p>
@@ -6636,7 +6636,7 @@
             <a:fld id="{B61BEF0D-F0BB-DE4B-95CE-6DB70DBA9567}" type="datetimeFigureOut">
               <a:rPr lang="en-US" smtClean="0"/>
               <a:pPr/>
-              <a:t>9/1/2017</a:t>
+              <a:t>9/2/2017</a:t>
             </a:fld>
             <a:endParaRPr lang="en-US" dirty="0"/>
           </a:p>
@@ -7383,7 +7383,7 @@
             <a:fld id="{B61BEF0D-F0BB-DE4B-95CE-6DB70DBA9567}" type="datetimeFigureOut">
               <a:rPr lang="en-US" smtClean="0"/>
               <a:pPr/>
-              <a:t>9/1/2017</a:t>
+              <a:t>9/2/2017</a:t>
             </a:fld>
             <a:endParaRPr lang="en-US" dirty="0"/>
           </a:p>
@@ -8084,7 +8084,7 @@
         </p:nvGraphicFramePr>
         <p:xfrm>
           <a:off x="677334" y="1270000"/>
-          <a:ext cx="8997097" cy="4840089"/>
+          <a:ext cx="8997097" cy="5107551"/>
         </p:xfrm>
         <a:graphic>
           <a:graphicData uri="http://schemas.openxmlformats.org/drawingml/2006/table">
@@ -8096,21 +8096,21 @@
                 <a:gridCol w="2998353">
                   <a:extLst>
                     <a:ext uri="{9D8B030D-6E8A-4147-A177-3AD203B41FA5}">
-                      <a16:colId xmlns:a16="http://schemas.microsoft.com/office/drawing/2014/main" val="2348935093"/>
+                      <a16:colId xmlns:a16="http://schemas.microsoft.com/office/drawing/2014/main" xmlns="" val="2348935093"/>
                     </a:ext>
                   </a:extLst>
                 </a:gridCol>
                 <a:gridCol w="2999372">
                   <a:extLst>
                     <a:ext uri="{9D8B030D-6E8A-4147-A177-3AD203B41FA5}">
-                      <a16:colId xmlns:a16="http://schemas.microsoft.com/office/drawing/2014/main" val="13147252"/>
+                      <a16:colId xmlns:a16="http://schemas.microsoft.com/office/drawing/2014/main" xmlns="" val="13147252"/>
                     </a:ext>
                   </a:extLst>
                 </a:gridCol>
                 <a:gridCol w="2999372">
                   <a:extLst>
                     <a:ext uri="{9D8B030D-6E8A-4147-A177-3AD203B41FA5}">
-                      <a16:colId xmlns:a16="http://schemas.microsoft.com/office/drawing/2014/main" val="4056392590"/>
+                      <a16:colId xmlns:a16="http://schemas.microsoft.com/office/drawing/2014/main" xmlns="" val="4056392590"/>
                     </a:ext>
                   </a:extLst>
                 </a:gridCol>
@@ -8211,7 +8211,7 @@
                 </a:tc>
                 <a:extLst>
                   <a:ext uri="{0D108BD9-81ED-4DB2-BD59-A6C34878D82A}">
-                    <a16:rowId xmlns:a16="http://schemas.microsoft.com/office/drawing/2014/main" val="1159682062"/>
+                    <a16:rowId xmlns:a16="http://schemas.microsoft.com/office/drawing/2014/main" xmlns="" val="1159682062"/>
                   </a:ext>
                 </a:extLst>
               </a:tr>
@@ -8332,7 +8332,7 @@
                 </a:tc>
                 <a:extLst>
                   <a:ext uri="{0D108BD9-81ED-4DB2-BD59-A6C34878D82A}">
-                    <a16:rowId xmlns:a16="http://schemas.microsoft.com/office/drawing/2014/main" val="2622654617"/>
+                    <a16:rowId xmlns:a16="http://schemas.microsoft.com/office/drawing/2014/main" xmlns="" val="2622654617"/>
                   </a:ext>
                 </a:extLst>
               </a:tr>
@@ -8453,7 +8453,7 @@
                 </a:tc>
                 <a:extLst>
                   <a:ext uri="{0D108BD9-81ED-4DB2-BD59-A6C34878D82A}">
-                    <a16:rowId xmlns:a16="http://schemas.microsoft.com/office/drawing/2014/main" val="1507632732"/>
+                    <a16:rowId xmlns:a16="http://schemas.microsoft.com/office/drawing/2014/main" xmlns="" val="1507632732"/>
                   </a:ext>
                 </a:extLst>
               </a:tr>
@@ -8574,7 +8574,7 @@
                 </a:tc>
                 <a:extLst>
                   <a:ext uri="{0D108BD9-81ED-4DB2-BD59-A6C34878D82A}">
-                    <a16:rowId xmlns:a16="http://schemas.microsoft.com/office/drawing/2014/main" val="3703116281"/>
+                    <a16:rowId xmlns:a16="http://schemas.microsoft.com/office/drawing/2014/main" xmlns="" val="3703116281"/>
                   </a:ext>
                 </a:extLst>
               </a:tr>
@@ -8695,7 +8695,7 @@
                 </a:tc>
                 <a:extLst>
                   <a:ext uri="{0D108BD9-81ED-4DB2-BD59-A6C34878D82A}">
-                    <a16:rowId xmlns:a16="http://schemas.microsoft.com/office/drawing/2014/main" val="844276463"/>
+                    <a16:rowId xmlns:a16="http://schemas.microsoft.com/office/drawing/2014/main" xmlns="" val="844276463"/>
                   </a:ext>
                 </a:extLst>
               </a:tr>
@@ -8797,7 +8797,7 @@
                 </a:tc>
                 <a:extLst>
                   <a:ext uri="{0D108BD9-81ED-4DB2-BD59-A6C34878D82A}">
-                    <a16:rowId xmlns:a16="http://schemas.microsoft.com/office/drawing/2014/main" val="999357667"/>
+                    <a16:rowId xmlns:a16="http://schemas.microsoft.com/office/drawing/2014/main" xmlns="" val="999357667"/>
                   </a:ext>
                 </a:extLst>
               </a:tr>
@@ -8930,7 +8930,7 @@
                 </a:tc>
                 <a:extLst>
                   <a:ext uri="{0D108BD9-81ED-4DB2-BD59-A6C34878D82A}">
-                    <a16:rowId xmlns:a16="http://schemas.microsoft.com/office/drawing/2014/main" val="2345874104"/>
+                    <a16:rowId xmlns:a16="http://schemas.microsoft.com/office/drawing/2014/main" xmlns="" val="2345874104"/>
                   </a:ext>
                 </a:extLst>
               </a:tr>
@@ -9038,7 +9038,7 @@
                 </a:tc>
                 <a:extLst>
                   <a:ext uri="{0D108BD9-81ED-4DB2-BD59-A6C34878D82A}">
-                    <a16:rowId xmlns:a16="http://schemas.microsoft.com/office/drawing/2014/main" val="3887753121"/>
+                    <a16:rowId xmlns:a16="http://schemas.microsoft.com/office/drawing/2014/main" xmlns="" val="3887753121"/>
                   </a:ext>
                 </a:extLst>
               </a:tr>
@@ -9140,7 +9140,7 @@
                 </a:tc>
                 <a:extLst>
                   <a:ext uri="{0D108BD9-81ED-4DB2-BD59-A6C34878D82A}">
-                    <a16:rowId xmlns:a16="http://schemas.microsoft.com/office/drawing/2014/main" val="3960156829"/>
+                    <a16:rowId xmlns:a16="http://schemas.microsoft.com/office/drawing/2014/main" xmlns="" val="3960156829"/>
                   </a:ext>
                 </a:extLst>
               </a:tr>
@@ -9242,7 +9242,7 @@
                 </a:tc>
                 <a:extLst>
                   <a:ext uri="{0D108BD9-81ED-4DB2-BD59-A6C34878D82A}">
-                    <a16:rowId xmlns:a16="http://schemas.microsoft.com/office/drawing/2014/main" val="3687694094"/>
+                    <a16:rowId xmlns:a16="http://schemas.microsoft.com/office/drawing/2014/main" xmlns="" val="3687694094"/>
                   </a:ext>
                 </a:extLst>
               </a:tr>
@@ -9344,7 +9344,7 @@
                 </a:tc>
                 <a:extLst>
                   <a:ext uri="{0D108BD9-81ED-4DB2-BD59-A6C34878D82A}">
-                    <a16:rowId xmlns:a16="http://schemas.microsoft.com/office/drawing/2014/main" val="3805926948"/>
+                    <a16:rowId xmlns:a16="http://schemas.microsoft.com/office/drawing/2014/main" xmlns="" val="3805926948"/>
                   </a:ext>
                 </a:extLst>
               </a:tr>
@@ -9446,7 +9446,7 @@
                 </a:tc>
                 <a:extLst>
                   <a:ext uri="{0D108BD9-81ED-4DB2-BD59-A6C34878D82A}">
-                    <a16:rowId xmlns:a16="http://schemas.microsoft.com/office/drawing/2014/main" val="3842764319"/>
+                    <a16:rowId xmlns:a16="http://schemas.microsoft.com/office/drawing/2014/main" xmlns="" val="3842764319"/>
                   </a:ext>
                 </a:extLst>
               </a:tr>
@@ -9548,7 +9548,7 @@
                 </a:tc>
                 <a:extLst>
                   <a:ext uri="{0D108BD9-81ED-4DB2-BD59-A6C34878D82A}">
-                    <a16:rowId xmlns:a16="http://schemas.microsoft.com/office/drawing/2014/main" val="1163644436"/>
+                    <a16:rowId xmlns:a16="http://schemas.microsoft.com/office/drawing/2014/main" xmlns="" val="1163644436"/>
                   </a:ext>
                 </a:extLst>
               </a:tr>
@@ -9650,7 +9650,7 @@
                 </a:tc>
                 <a:extLst>
                   <a:ext uri="{0D108BD9-81ED-4DB2-BD59-A6C34878D82A}">
-                    <a16:rowId xmlns:a16="http://schemas.microsoft.com/office/drawing/2014/main" val="3817368536"/>
+                    <a16:rowId xmlns:a16="http://schemas.microsoft.com/office/drawing/2014/main" xmlns="" val="3817368536"/>
                   </a:ext>
                 </a:extLst>
               </a:tr>
@@ -9750,7 +9750,7 @@
                 </a:tc>
                 <a:extLst>
                   <a:ext uri="{0D108BD9-81ED-4DB2-BD59-A6C34878D82A}">
-                    <a16:rowId xmlns:a16="http://schemas.microsoft.com/office/drawing/2014/main" val="3711086156"/>
+                    <a16:rowId xmlns:a16="http://schemas.microsoft.com/office/drawing/2014/main" xmlns="" val="3711086156"/>
                   </a:ext>
                 </a:extLst>
               </a:tr>
@@ -9906,7 +9906,7 @@
         </p:nvGraphicFramePr>
         <p:xfrm>
           <a:off x="6948160" y="1493959"/>
-          <a:ext cx="4455716" cy="4352691"/>
+          <a:ext cx="4455716" cy="4370344"/>
         </p:xfrm>
         <a:graphic>
           <a:graphicData uri="http://schemas.openxmlformats.org/drawingml/2006/table">
@@ -9918,21 +9918,21 @@
                 <a:gridCol w="1484902">
                   <a:extLst>
                     <a:ext uri="{9D8B030D-6E8A-4147-A177-3AD203B41FA5}">
-                      <a16:colId xmlns:a16="http://schemas.microsoft.com/office/drawing/2014/main" val="804453113"/>
+                      <a16:colId xmlns:a16="http://schemas.microsoft.com/office/drawing/2014/main" xmlns="" val="804453113"/>
                     </a:ext>
                   </a:extLst>
                 </a:gridCol>
                 <a:gridCol w="1485407">
                   <a:extLst>
                     <a:ext uri="{9D8B030D-6E8A-4147-A177-3AD203B41FA5}">
-                      <a16:colId xmlns:a16="http://schemas.microsoft.com/office/drawing/2014/main" val="2482513901"/>
+                      <a16:colId xmlns:a16="http://schemas.microsoft.com/office/drawing/2014/main" xmlns="" val="2482513901"/>
                     </a:ext>
                   </a:extLst>
                 </a:gridCol>
                 <a:gridCol w="1485407">
                   <a:extLst>
                     <a:ext uri="{9D8B030D-6E8A-4147-A177-3AD203B41FA5}">
-                      <a16:colId xmlns:a16="http://schemas.microsoft.com/office/drawing/2014/main" val="1636302278"/>
+                      <a16:colId xmlns:a16="http://schemas.microsoft.com/office/drawing/2014/main" xmlns="" val="1636302278"/>
                     </a:ext>
                   </a:extLst>
                 </a:gridCol>
@@ -10033,7 +10033,7 @@
                 </a:tc>
                 <a:extLst>
                   <a:ext uri="{0D108BD9-81ED-4DB2-BD59-A6C34878D82A}">
-                    <a16:rowId xmlns:a16="http://schemas.microsoft.com/office/drawing/2014/main" val="247142635"/>
+                    <a16:rowId xmlns:a16="http://schemas.microsoft.com/office/drawing/2014/main" xmlns="" val="247142635"/>
                   </a:ext>
                 </a:extLst>
               </a:tr>
@@ -10173,7 +10173,7 @@
                 </a:tc>
                 <a:extLst>
                   <a:ext uri="{0D108BD9-81ED-4DB2-BD59-A6C34878D82A}">
-                    <a16:rowId xmlns:a16="http://schemas.microsoft.com/office/drawing/2014/main" val="3751860754"/>
+                    <a16:rowId xmlns:a16="http://schemas.microsoft.com/office/drawing/2014/main" xmlns="" val="3751860754"/>
                   </a:ext>
                 </a:extLst>
               </a:tr>
@@ -10275,7 +10275,7 @@
                 </a:tc>
                 <a:extLst>
                   <a:ext uri="{0D108BD9-81ED-4DB2-BD59-A6C34878D82A}">
-                    <a16:rowId xmlns:a16="http://schemas.microsoft.com/office/drawing/2014/main" val="248616753"/>
+                    <a16:rowId xmlns:a16="http://schemas.microsoft.com/office/drawing/2014/main" xmlns="" val="248616753"/>
                   </a:ext>
                 </a:extLst>
               </a:tr>
@@ -10377,7 +10377,7 @@
                 </a:tc>
                 <a:extLst>
                   <a:ext uri="{0D108BD9-81ED-4DB2-BD59-A6C34878D82A}">
-                    <a16:rowId xmlns:a16="http://schemas.microsoft.com/office/drawing/2014/main" val="3703285276"/>
+                    <a16:rowId xmlns:a16="http://schemas.microsoft.com/office/drawing/2014/main" xmlns="" val="3703285276"/>
                   </a:ext>
                 </a:extLst>
               </a:tr>
@@ -10479,7 +10479,7 @@
                 </a:tc>
                 <a:extLst>
                   <a:ext uri="{0D108BD9-81ED-4DB2-BD59-A6C34878D82A}">
-                    <a16:rowId xmlns:a16="http://schemas.microsoft.com/office/drawing/2014/main" val="113744693"/>
+                    <a16:rowId xmlns:a16="http://schemas.microsoft.com/office/drawing/2014/main" xmlns="" val="113744693"/>
                   </a:ext>
                 </a:extLst>
               </a:tr>
@@ -10581,7 +10581,7 @@
                 </a:tc>
                 <a:extLst>
                   <a:ext uri="{0D108BD9-81ED-4DB2-BD59-A6C34878D82A}">
-                    <a16:rowId xmlns:a16="http://schemas.microsoft.com/office/drawing/2014/main" val="2135605438"/>
+                    <a16:rowId xmlns:a16="http://schemas.microsoft.com/office/drawing/2014/main" xmlns="" val="2135605438"/>
                   </a:ext>
                 </a:extLst>
               </a:tr>
@@ -10683,7 +10683,7 @@
                 </a:tc>
                 <a:extLst>
                   <a:ext uri="{0D108BD9-81ED-4DB2-BD59-A6C34878D82A}">
-                    <a16:rowId xmlns:a16="http://schemas.microsoft.com/office/drawing/2014/main" val="3932209882"/>
+                    <a16:rowId xmlns:a16="http://schemas.microsoft.com/office/drawing/2014/main" xmlns="" val="3932209882"/>
                   </a:ext>
                 </a:extLst>
               </a:tr>
@@ -10785,7 +10785,7 @@
                 </a:tc>
                 <a:extLst>
                   <a:ext uri="{0D108BD9-81ED-4DB2-BD59-A6C34878D82A}">
-                    <a16:rowId xmlns:a16="http://schemas.microsoft.com/office/drawing/2014/main" val="2059590213"/>
+                    <a16:rowId xmlns:a16="http://schemas.microsoft.com/office/drawing/2014/main" xmlns="" val="2059590213"/>
                   </a:ext>
                 </a:extLst>
               </a:tr>
@@ -10821,21 +10821,21 @@
                 <a:gridCol w="1448084">
                   <a:extLst>
                     <a:ext uri="{9D8B030D-6E8A-4147-A177-3AD203B41FA5}">
-                      <a16:colId xmlns:a16="http://schemas.microsoft.com/office/drawing/2014/main" val="72358246"/>
+                      <a16:colId xmlns:a16="http://schemas.microsoft.com/office/drawing/2014/main" xmlns="" val="72358246"/>
                     </a:ext>
                   </a:extLst>
                 </a:gridCol>
                 <a:gridCol w="1448576">
                   <a:extLst>
                     <a:ext uri="{9D8B030D-6E8A-4147-A177-3AD203B41FA5}">
-                      <a16:colId xmlns:a16="http://schemas.microsoft.com/office/drawing/2014/main" val="4260488372"/>
+                      <a16:colId xmlns:a16="http://schemas.microsoft.com/office/drawing/2014/main" xmlns="" val="4260488372"/>
                     </a:ext>
                   </a:extLst>
                 </a:gridCol>
                 <a:gridCol w="1448576">
                   <a:extLst>
                     <a:ext uri="{9D8B030D-6E8A-4147-A177-3AD203B41FA5}">
-                      <a16:colId xmlns:a16="http://schemas.microsoft.com/office/drawing/2014/main" val="1241227216"/>
+                      <a16:colId xmlns:a16="http://schemas.microsoft.com/office/drawing/2014/main" xmlns="" val="1241227216"/>
                     </a:ext>
                   </a:extLst>
                 </a:gridCol>
@@ -10936,7 +10936,7 @@
                 </a:tc>
                 <a:extLst>
                   <a:ext uri="{0D108BD9-81ED-4DB2-BD59-A6C34878D82A}">
-                    <a16:rowId xmlns:a16="http://schemas.microsoft.com/office/drawing/2014/main" val="2998522075"/>
+                    <a16:rowId xmlns:a16="http://schemas.microsoft.com/office/drawing/2014/main" xmlns="" val="2998522075"/>
                   </a:ext>
                 </a:extLst>
               </a:tr>
@@ -11057,7 +11057,7 @@
                 </a:tc>
                 <a:extLst>
                   <a:ext uri="{0D108BD9-81ED-4DB2-BD59-A6C34878D82A}">
-                    <a16:rowId xmlns:a16="http://schemas.microsoft.com/office/drawing/2014/main" val="375131760"/>
+                    <a16:rowId xmlns:a16="http://schemas.microsoft.com/office/drawing/2014/main" xmlns="" val="375131760"/>
                   </a:ext>
                 </a:extLst>
               </a:tr>
@@ -11178,7 +11178,7 @@
                 </a:tc>
                 <a:extLst>
                   <a:ext uri="{0D108BD9-81ED-4DB2-BD59-A6C34878D82A}">
-                    <a16:rowId xmlns:a16="http://schemas.microsoft.com/office/drawing/2014/main" val="1687046078"/>
+                    <a16:rowId xmlns:a16="http://schemas.microsoft.com/office/drawing/2014/main" xmlns="" val="1687046078"/>
                   </a:ext>
                 </a:extLst>
               </a:tr>
@@ -11280,7 +11280,7 @@
                 </a:tc>
                 <a:extLst>
                   <a:ext uri="{0D108BD9-81ED-4DB2-BD59-A6C34878D82A}">
-                    <a16:rowId xmlns:a16="http://schemas.microsoft.com/office/drawing/2014/main" val="3791425834"/>
+                    <a16:rowId xmlns:a16="http://schemas.microsoft.com/office/drawing/2014/main" xmlns="" val="3791425834"/>
                   </a:ext>
                 </a:extLst>
               </a:tr>
@@ -11382,7 +11382,7 @@
                 </a:tc>
                 <a:extLst>
                   <a:ext uri="{0D108BD9-81ED-4DB2-BD59-A6C34878D82A}">
-                    <a16:rowId xmlns:a16="http://schemas.microsoft.com/office/drawing/2014/main" val="4173813695"/>
+                    <a16:rowId xmlns:a16="http://schemas.microsoft.com/office/drawing/2014/main" xmlns="" val="4173813695"/>
                   </a:ext>
                 </a:extLst>
               </a:tr>
@@ -11484,7 +11484,7 @@
                 </a:tc>
                 <a:extLst>
                   <a:ext uri="{0D108BD9-81ED-4DB2-BD59-A6C34878D82A}">
-                    <a16:rowId xmlns:a16="http://schemas.microsoft.com/office/drawing/2014/main" val="2023599839"/>
+                    <a16:rowId xmlns:a16="http://schemas.microsoft.com/office/drawing/2014/main" xmlns="" val="2023599839"/>
                   </a:ext>
                 </a:extLst>
               </a:tr>
@@ -11586,7 +11586,7 @@
                 </a:tc>
                 <a:extLst>
                   <a:ext uri="{0D108BD9-81ED-4DB2-BD59-A6C34878D82A}">
-                    <a16:rowId xmlns:a16="http://schemas.microsoft.com/office/drawing/2014/main" val="2578385312"/>
+                    <a16:rowId xmlns:a16="http://schemas.microsoft.com/office/drawing/2014/main" xmlns="" val="2578385312"/>
                   </a:ext>
                 </a:extLst>
               </a:tr>
@@ -11707,7 +11707,7 @@
                 </a:tc>
                 <a:extLst>
                   <a:ext uri="{0D108BD9-81ED-4DB2-BD59-A6C34878D82A}">
-                    <a16:rowId xmlns:a16="http://schemas.microsoft.com/office/drawing/2014/main" val="3871444410"/>
+                    <a16:rowId xmlns:a16="http://schemas.microsoft.com/office/drawing/2014/main" xmlns="" val="3871444410"/>
                   </a:ext>
                 </a:extLst>
               </a:tr>
@@ -11809,7 +11809,7 @@
                 </a:tc>
                 <a:extLst>
                   <a:ext uri="{0D108BD9-81ED-4DB2-BD59-A6C34878D82A}">
-                    <a16:rowId xmlns:a16="http://schemas.microsoft.com/office/drawing/2014/main" val="2418780638"/>
+                    <a16:rowId xmlns:a16="http://schemas.microsoft.com/office/drawing/2014/main" xmlns="" val="2418780638"/>
                   </a:ext>
                 </a:extLst>
               </a:tr>
@@ -11911,7 +11911,7 @@
                 </a:tc>
                 <a:extLst>
                   <a:ext uri="{0D108BD9-81ED-4DB2-BD59-A6C34878D82A}">
-                    <a16:rowId xmlns:a16="http://schemas.microsoft.com/office/drawing/2014/main" val="3772565706"/>
+                    <a16:rowId xmlns:a16="http://schemas.microsoft.com/office/drawing/2014/main" xmlns="" val="3772565706"/>
                   </a:ext>
                 </a:extLst>
               </a:tr>
@@ -12013,7 +12013,7 @@
                 </a:tc>
                 <a:extLst>
                   <a:ext uri="{0D108BD9-81ED-4DB2-BD59-A6C34878D82A}">
-                    <a16:rowId xmlns:a16="http://schemas.microsoft.com/office/drawing/2014/main" val="1437383063"/>
+                    <a16:rowId xmlns:a16="http://schemas.microsoft.com/office/drawing/2014/main" xmlns="" val="1437383063"/>
                   </a:ext>
                 </a:extLst>
               </a:tr>
@@ -12115,7 +12115,7 @@
                 </a:tc>
                 <a:extLst>
                   <a:ext uri="{0D108BD9-81ED-4DB2-BD59-A6C34878D82A}">
-                    <a16:rowId xmlns:a16="http://schemas.microsoft.com/office/drawing/2014/main" val="2199901493"/>
+                    <a16:rowId xmlns:a16="http://schemas.microsoft.com/office/drawing/2014/main" xmlns="" val="2199901493"/>
                   </a:ext>
                 </a:extLst>
               </a:tr>
@@ -12286,6 +12286,13 @@
   <p:clrMapOvr>
     <a:masterClrMapping/>
   </p:clrMapOvr>
+  <p:timing>
+    <p:tnLst>
+      <p:par>
+        <p:cTn id="1" dur="indefinite" restart="never" nodeType="tmRoot"/>
+      </p:par>
+    </p:tnLst>
+  </p:timing>
 </p:sld>
 </file>
 
@@ -12553,28 +12560,28 @@
                 <a:gridCol w="1498841">
                   <a:extLst>
                     <a:ext uri="{9D8B030D-6E8A-4147-A177-3AD203B41FA5}">
-                      <a16:colId xmlns:a16="http://schemas.microsoft.com/office/drawing/2014/main" val="181795604"/>
+                      <a16:colId xmlns:a16="http://schemas.microsoft.com/office/drawing/2014/main" xmlns="" val="181795604"/>
                     </a:ext>
                   </a:extLst>
                 </a:gridCol>
                 <a:gridCol w="1493835">
                   <a:extLst>
                     <a:ext uri="{9D8B030D-6E8A-4147-A177-3AD203B41FA5}">
-                      <a16:colId xmlns:a16="http://schemas.microsoft.com/office/drawing/2014/main" val="481821667"/>
+                      <a16:colId xmlns:a16="http://schemas.microsoft.com/office/drawing/2014/main" xmlns="" val="481821667"/>
                     </a:ext>
                   </a:extLst>
                 </a:gridCol>
                 <a:gridCol w="566611">
                   <a:extLst>
                     <a:ext uri="{9D8B030D-6E8A-4147-A177-3AD203B41FA5}">
-                      <a16:colId xmlns:a16="http://schemas.microsoft.com/office/drawing/2014/main" val="4254087848"/>
+                      <a16:colId xmlns:a16="http://schemas.microsoft.com/office/drawing/2014/main" xmlns="" val="4254087848"/>
                     </a:ext>
                   </a:extLst>
                 </a:gridCol>
                 <a:gridCol w="1041743">
                   <a:extLst>
                     <a:ext uri="{9D8B030D-6E8A-4147-A177-3AD203B41FA5}">
-                      <a16:colId xmlns:a16="http://schemas.microsoft.com/office/drawing/2014/main" val="2713411152"/>
+                      <a16:colId xmlns:a16="http://schemas.microsoft.com/office/drawing/2014/main" xmlns="" val="2713411152"/>
                     </a:ext>
                   </a:extLst>
                 </a:gridCol>
@@ -12685,7 +12692,7 @@
                 </a:tc>
                 <a:extLst>
                   <a:ext uri="{0D108BD9-81ED-4DB2-BD59-A6C34878D82A}">
-                    <a16:rowId xmlns:a16="http://schemas.microsoft.com/office/drawing/2014/main" val="4281440266"/>
+                    <a16:rowId xmlns:a16="http://schemas.microsoft.com/office/drawing/2014/main" xmlns="" val="4281440266"/>
                   </a:ext>
                 </a:extLst>
               </a:tr>
@@ -12816,7 +12823,7 @@
                 </a:tc>
                 <a:extLst>
                   <a:ext uri="{0D108BD9-81ED-4DB2-BD59-A6C34878D82A}">
-                    <a16:rowId xmlns:a16="http://schemas.microsoft.com/office/drawing/2014/main" val="161309922"/>
+                    <a16:rowId xmlns:a16="http://schemas.microsoft.com/office/drawing/2014/main" xmlns="" val="161309922"/>
                   </a:ext>
                 </a:extLst>
               </a:tr>
@@ -12926,7 +12933,7 @@
                 </a:tc>
                 <a:extLst>
                   <a:ext uri="{0D108BD9-81ED-4DB2-BD59-A6C34878D82A}">
-                    <a16:rowId xmlns:a16="http://schemas.microsoft.com/office/drawing/2014/main" val="4253561292"/>
+                    <a16:rowId xmlns:a16="http://schemas.microsoft.com/office/drawing/2014/main" xmlns="" val="4253561292"/>
                   </a:ext>
                 </a:extLst>
               </a:tr>
@@ -13036,7 +13043,7 @@
                 </a:tc>
                 <a:extLst>
                   <a:ext uri="{0D108BD9-81ED-4DB2-BD59-A6C34878D82A}">
-                    <a16:rowId xmlns:a16="http://schemas.microsoft.com/office/drawing/2014/main" val="2072984576"/>
+                    <a16:rowId xmlns:a16="http://schemas.microsoft.com/office/drawing/2014/main" xmlns="" val="2072984576"/>
                   </a:ext>
                 </a:extLst>
               </a:tr>
@@ -13178,7 +13185,7 @@
                 </a:tc>
                 <a:extLst>
                   <a:ext uri="{0D108BD9-81ED-4DB2-BD59-A6C34878D82A}">
-                    <a16:rowId xmlns:a16="http://schemas.microsoft.com/office/drawing/2014/main" val="1253044974"/>
+                    <a16:rowId xmlns:a16="http://schemas.microsoft.com/office/drawing/2014/main" xmlns="" val="1253044974"/>
                   </a:ext>
                 </a:extLst>
               </a:tr>
@@ -13288,7 +13295,7 @@
                 </a:tc>
                 <a:extLst>
                   <a:ext uri="{0D108BD9-81ED-4DB2-BD59-A6C34878D82A}">
-                    <a16:rowId xmlns:a16="http://schemas.microsoft.com/office/drawing/2014/main" val="58886077"/>
+                    <a16:rowId xmlns:a16="http://schemas.microsoft.com/office/drawing/2014/main" xmlns="" val="58886077"/>
                   </a:ext>
                 </a:extLst>
               </a:tr>
@@ -13398,7 +13405,7 @@
                 </a:tc>
                 <a:extLst>
                   <a:ext uri="{0D108BD9-81ED-4DB2-BD59-A6C34878D82A}">
-                    <a16:rowId xmlns:a16="http://schemas.microsoft.com/office/drawing/2014/main" val="4076894437"/>
+                    <a16:rowId xmlns:a16="http://schemas.microsoft.com/office/drawing/2014/main" xmlns="" val="4076894437"/>
                   </a:ext>
                 </a:extLst>
               </a:tr>
@@ -13529,7 +13536,7 @@
                 </a:tc>
                 <a:extLst>
                   <a:ext uri="{0D108BD9-81ED-4DB2-BD59-A6C34878D82A}">
-                    <a16:rowId xmlns:a16="http://schemas.microsoft.com/office/drawing/2014/main" val="2177139105"/>
+                    <a16:rowId xmlns:a16="http://schemas.microsoft.com/office/drawing/2014/main" xmlns="" val="2177139105"/>
                   </a:ext>
                 </a:extLst>
               </a:tr>
@@ -13639,7 +13646,7 @@
                 </a:tc>
                 <a:extLst>
                   <a:ext uri="{0D108BD9-81ED-4DB2-BD59-A6C34878D82A}">
-                    <a16:rowId xmlns:a16="http://schemas.microsoft.com/office/drawing/2014/main" val="2526626031"/>
+                    <a16:rowId xmlns:a16="http://schemas.microsoft.com/office/drawing/2014/main" xmlns="" val="2526626031"/>
                   </a:ext>
                 </a:extLst>
               </a:tr>
@@ -13749,7 +13756,7 @@
                 </a:tc>
                 <a:extLst>
                   <a:ext uri="{0D108BD9-81ED-4DB2-BD59-A6C34878D82A}">
-                    <a16:rowId xmlns:a16="http://schemas.microsoft.com/office/drawing/2014/main" val="1699320758"/>
+                    <a16:rowId xmlns:a16="http://schemas.microsoft.com/office/drawing/2014/main" xmlns="" val="1699320758"/>
                   </a:ext>
                 </a:extLst>
               </a:tr>
@@ -13880,7 +13887,7 @@
                 </a:tc>
                 <a:extLst>
                   <a:ext uri="{0D108BD9-81ED-4DB2-BD59-A6C34878D82A}">
-                    <a16:rowId xmlns:a16="http://schemas.microsoft.com/office/drawing/2014/main" val="232351539"/>
+                    <a16:rowId xmlns:a16="http://schemas.microsoft.com/office/drawing/2014/main" xmlns="" val="232351539"/>
                   </a:ext>
                 </a:extLst>
               </a:tr>
@@ -13990,7 +13997,7 @@
                 </a:tc>
                 <a:extLst>
                   <a:ext uri="{0D108BD9-81ED-4DB2-BD59-A6C34878D82A}">
-                    <a16:rowId xmlns:a16="http://schemas.microsoft.com/office/drawing/2014/main" val="423804011"/>
+                    <a16:rowId xmlns:a16="http://schemas.microsoft.com/office/drawing/2014/main" xmlns="" val="423804011"/>
                   </a:ext>
                 </a:extLst>
               </a:tr>
@@ -14106,7 +14113,7 @@
                 </a:tc>
                 <a:extLst>
                   <a:ext uri="{0D108BD9-81ED-4DB2-BD59-A6C34878D82A}">
-                    <a16:rowId xmlns:a16="http://schemas.microsoft.com/office/drawing/2014/main" val="3697965244"/>
+                    <a16:rowId xmlns:a16="http://schemas.microsoft.com/office/drawing/2014/main" xmlns="" val="3697965244"/>
                   </a:ext>
                 </a:extLst>
               </a:tr>
@@ -14142,28 +14149,28 @@
                 <a:gridCol w="2168576">
                   <a:extLst>
                     <a:ext uri="{9D8B030D-6E8A-4147-A177-3AD203B41FA5}">
-                      <a16:colId xmlns:a16="http://schemas.microsoft.com/office/drawing/2014/main" val="2617267363"/>
+                      <a16:colId xmlns:a16="http://schemas.microsoft.com/office/drawing/2014/main" xmlns="" val="2617267363"/>
                     </a:ext>
                   </a:extLst>
                 </a:gridCol>
                 <a:gridCol w="1590147">
                   <a:extLst>
                     <a:ext uri="{9D8B030D-6E8A-4147-A177-3AD203B41FA5}">
-                      <a16:colId xmlns:a16="http://schemas.microsoft.com/office/drawing/2014/main" val="791753831"/>
+                      <a16:colId xmlns:a16="http://schemas.microsoft.com/office/drawing/2014/main" xmlns="" val="791753831"/>
                     </a:ext>
                   </a:extLst>
                 </a:gridCol>
                 <a:gridCol w="771126">
                   <a:extLst>
                     <a:ext uri="{9D8B030D-6E8A-4147-A177-3AD203B41FA5}">
-                      <a16:colId xmlns:a16="http://schemas.microsoft.com/office/drawing/2014/main" val="4146642326"/>
+                      <a16:colId xmlns:a16="http://schemas.microsoft.com/office/drawing/2014/main" xmlns="" val="4146642326"/>
                     </a:ext>
                   </a:extLst>
                 </a:gridCol>
                 <a:gridCol w="1173789">
                   <a:extLst>
                     <a:ext uri="{9D8B030D-6E8A-4147-A177-3AD203B41FA5}">
-                      <a16:colId xmlns:a16="http://schemas.microsoft.com/office/drawing/2014/main" val="1030462360"/>
+                      <a16:colId xmlns:a16="http://schemas.microsoft.com/office/drawing/2014/main" xmlns="" val="1030462360"/>
                     </a:ext>
                   </a:extLst>
                 </a:gridCol>
@@ -14274,7 +14281,7 @@
                 </a:tc>
                 <a:extLst>
                   <a:ext uri="{0D108BD9-81ED-4DB2-BD59-A6C34878D82A}">
-                    <a16:rowId xmlns:a16="http://schemas.microsoft.com/office/drawing/2014/main" val="1598722579"/>
+                    <a16:rowId xmlns:a16="http://schemas.microsoft.com/office/drawing/2014/main" xmlns="" val="1598722579"/>
                   </a:ext>
                 </a:extLst>
               </a:tr>
@@ -14416,7 +14423,7 @@
                 </a:tc>
                 <a:extLst>
                   <a:ext uri="{0D108BD9-81ED-4DB2-BD59-A6C34878D82A}">
-                    <a16:rowId xmlns:a16="http://schemas.microsoft.com/office/drawing/2014/main" val="1549225198"/>
+                    <a16:rowId xmlns:a16="http://schemas.microsoft.com/office/drawing/2014/main" xmlns="" val="1549225198"/>
                   </a:ext>
                 </a:extLst>
               </a:tr>
@@ -14526,7 +14533,7 @@
                 </a:tc>
                 <a:extLst>
                   <a:ext uri="{0D108BD9-81ED-4DB2-BD59-A6C34878D82A}">
-                    <a16:rowId xmlns:a16="http://schemas.microsoft.com/office/drawing/2014/main" val="3003883005"/>
+                    <a16:rowId xmlns:a16="http://schemas.microsoft.com/office/drawing/2014/main" xmlns="" val="3003883005"/>
                   </a:ext>
                 </a:extLst>
               </a:tr>
@@ -14636,7 +14643,7 @@
                 </a:tc>
                 <a:extLst>
                   <a:ext uri="{0D108BD9-81ED-4DB2-BD59-A6C34878D82A}">
-                    <a16:rowId xmlns:a16="http://schemas.microsoft.com/office/drawing/2014/main" val="1839212026"/>
+                    <a16:rowId xmlns:a16="http://schemas.microsoft.com/office/drawing/2014/main" xmlns="" val="1839212026"/>
                   </a:ext>
                 </a:extLst>
               </a:tr>
@@ -14767,7 +14774,7 @@
                 </a:tc>
                 <a:extLst>
                   <a:ext uri="{0D108BD9-81ED-4DB2-BD59-A6C34878D82A}">
-                    <a16:rowId xmlns:a16="http://schemas.microsoft.com/office/drawing/2014/main" val="312058688"/>
+                    <a16:rowId xmlns:a16="http://schemas.microsoft.com/office/drawing/2014/main" xmlns="" val="312058688"/>
                   </a:ext>
                 </a:extLst>
               </a:tr>
@@ -14877,7 +14884,7 @@
                 </a:tc>
                 <a:extLst>
                   <a:ext uri="{0D108BD9-81ED-4DB2-BD59-A6C34878D82A}">
-                    <a16:rowId xmlns:a16="http://schemas.microsoft.com/office/drawing/2014/main" val="1509404095"/>
+                    <a16:rowId xmlns:a16="http://schemas.microsoft.com/office/drawing/2014/main" xmlns="" val="1509404095"/>
                   </a:ext>
                 </a:extLst>
               </a:tr>
@@ -14987,7 +14994,7 @@
                 </a:tc>
                 <a:extLst>
                   <a:ext uri="{0D108BD9-81ED-4DB2-BD59-A6C34878D82A}">
-                    <a16:rowId xmlns:a16="http://schemas.microsoft.com/office/drawing/2014/main" val="2091606084"/>
+                    <a16:rowId xmlns:a16="http://schemas.microsoft.com/office/drawing/2014/main" xmlns="" val="2091606084"/>
                   </a:ext>
                 </a:extLst>
               </a:tr>
@@ -15118,7 +15125,7 @@
                 </a:tc>
                 <a:extLst>
                   <a:ext uri="{0D108BD9-81ED-4DB2-BD59-A6C34878D82A}">
-                    <a16:rowId xmlns:a16="http://schemas.microsoft.com/office/drawing/2014/main" val="3162020068"/>
+                    <a16:rowId xmlns:a16="http://schemas.microsoft.com/office/drawing/2014/main" xmlns="" val="3162020068"/>
                   </a:ext>
                 </a:extLst>
               </a:tr>
@@ -15228,7 +15235,7 @@
                 </a:tc>
                 <a:extLst>
                   <a:ext uri="{0D108BD9-81ED-4DB2-BD59-A6C34878D82A}">
-                    <a16:rowId xmlns:a16="http://schemas.microsoft.com/office/drawing/2014/main" val="2792096750"/>
+                    <a16:rowId xmlns:a16="http://schemas.microsoft.com/office/drawing/2014/main" xmlns="" val="2792096750"/>
                   </a:ext>
                 </a:extLst>
               </a:tr>
@@ -15338,7 +15345,7 @@
                 </a:tc>
                 <a:extLst>
                   <a:ext uri="{0D108BD9-81ED-4DB2-BD59-A6C34878D82A}">
-                    <a16:rowId xmlns:a16="http://schemas.microsoft.com/office/drawing/2014/main" val="1680944008"/>
+                    <a16:rowId xmlns:a16="http://schemas.microsoft.com/office/drawing/2014/main" xmlns="" val="1680944008"/>
                   </a:ext>
                 </a:extLst>
               </a:tr>
@@ -15469,7 +15476,7 @@
                 </a:tc>
                 <a:extLst>
                   <a:ext uri="{0D108BD9-81ED-4DB2-BD59-A6C34878D82A}">
-                    <a16:rowId xmlns:a16="http://schemas.microsoft.com/office/drawing/2014/main" val="1931086238"/>
+                    <a16:rowId xmlns:a16="http://schemas.microsoft.com/office/drawing/2014/main" xmlns="" val="1931086238"/>
                   </a:ext>
                 </a:extLst>
               </a:tr>
@@ -15579,7 +15586,7 @@
                 </a:tc>
                 <a:extLst>
                   <a:ext uri="{0D108BD9-81ED-4DB2-BD59-A6C34878D82A}">
-                    <a16:rowId xmlns:a16="http://schemas.microsoft.com/office/drawing/2014/main" val="2464988587"/>
+                    <a16:rowId xmlns:a16="http://schemas.microsoft.com/office/drawing/2014/main" xmlns="" val="2464988587"/>
                   </a:ext>
                 </a:extLst>
               </a:tr>
@@ -15689,7 +15696,7 @@
                 </a:tc>
                 <a:extLst>
                   <a:ext uri="{0D108BD9-81ED-4DB2-BD59-A6C34878D82A}">
-                    <a16:rowId xmlns:a16="http://schemas.microsoft.com/office/drawing/2014/main" val="6093416"/>
+                    <a16:rowId xmlns:a16="http://schemas.microsoft.com/office/drawing/2014/main" xmlns="" val="6093416"/>
                   </a:ext>
                 </a:extLst>
               </a:tr>
@@ -15820,7 +15827,7 @@
         </p:nvGraphicFramePr>
         <p:xfrm>
           <a:off x="696685" y="1257300"/>
-          <a:ext cx="8577316" cy="2288669"/>
+          <a:ext cx="8577316" cy="2354074"/>
         </p:xfrm>
         <a:graphic>
           <a:graphicData uri="http://schemas.openxmlformats.org/drawingml/2006/table">
@@ -15832,14 +15839,14 @@
                 <a:gridCol w="4279718">
                   <a:extLst>
                     <a:ext uri="{9D8B030D-6E8A-4147-A177-3AD203B41FA5}">
-                      <a16:colId xmlns:a16="http://schemas.microsoft.com/office/drawing/2014/main" val="601608831"/>
+                      <a16:colId xmlns:a16="http://schemas.microsoft.com/office/drawing/2014/main" xmlns="" val="601608831"/>
                     </a:ext>
                   </a:extLst>
                 </a:gridCol>
                 <a:gridCol w="4297598">
                   <a:extLst>
                     <a:ext uri="{9D8B030D-6E8A-4147-A177-3AD203B41FA5}">
-                      <a16:colId xmlns:a16="http://schemas.microsoft.com/office/drawing/2014/main" val="1272239435"/>
+                      <a16:colId xmlns:a16="http://schemas.microsoft.com/office/drawing/2014/main" xmlns="" val="1272239435"/>
                     </a:ext>
                   </a:extLst>
                 </a:gridCol>
@@ -15907,7 +15914,7 @@
                 </a:tc>
                 <a:extLst>
                   <a:ext uri="{0D108BD9-81ED-4DB2-BD59-A6C34878D82A}">
-                    <a16:rowId xmlns:a16="http://schemas.microsoft.com/office/drawing/2014/main" val="2582326982"/>
+                    <a16:rowId xmlns:a16="http://schemas.microsoft.com/office/drawing/2014/main" xmlns="" val="2582326982"/>
                   </a:ext>
                 </a:extLst>
               </a:tr>
@@ -15974,7 +15981,7 @@
                 </a:tc>
                 <a:extLst>
                   <a:ext uri="{0D108BD9-81ED-4DB2-BD59-A6C34878D82A}">
-                    <a16:rowId xmlns:a16="http://schemas.microsoft.com/office/drawing/2014/main" val="440730464"/>
+                    <a16:rowId xmlns:a16="http://schemas.microsoft.com/office/drawing/2014/main" xmlns="" val="440730464"/>
                   </a:ext>
                 </a:extLst>
               </a:tr>
@@ -16024,7 +16031,7 @@
                 </a:tc>
                 <a:extLst>
                   <a:ext uri="{0D108BD9-81ED-4DB2-BD59-A6C34878D82A}">
-                    <a16:rowId xmlns:a16="http://schemas.microsoft.com/office/drawing/2014/main" val="2875212962"/>
+                    <a16:rowId xmlns:a16="http://schemas.microsoft.com/office/drawing/2014/main" xmlns="" val="2875212962"/>
                   </a:ext>
                 </a:extLst>
               </a:tr>
@@ -16072,7 +16079,7 @@
                 </a:tc>
                 <a:extLst>
                   <a:ext uri="{0D108BD9-81ED-4DB2-BD59-A6C34878D82A}">
-                    <a16:rowId xmlns:a16="http://schemas.microsoft.com/office/drawing/2014/main" val="432812000"/>
+                    <a16:rowId xmlns:a16="http://schemas.microsoft.com/office/drawing/2014/main" xmlns="" val="432812000"/>
                   </a:ext>
                 </a:extLst>
               </a:tr>
@@ -16122,7 +16129,7 @@
                 </a:tc>
                 <a:extLst>
                   <a:ext uri="{0D108BD9-81ED-4DB2-BD59-A6C34878D82A}">
-                    <a16:rowId xmlns:a16="http://schemas.microsoft.com/office/drawing/2014/main" val="432505668"/>
+                    <a16:rowId xmlns:a16="http://schemas.microsoft.com/office/drawing/2014/main" xmlns="" val="432505668"/>
                   </a:ext>
                 </a:extLst>
               </a:tr>
@@ -16170,7 +16177,7 @@
                 </a:tc>
                 <a:extLst>
                   <a:ext uri="{0D108BD9-81ED-4DB2-BD59-A6C34878D82A}">
-                    <a16:rowId xmlns:a16="http://schemas.microsoft.com/office/drawing/2014/main" val="882433568"/>
+                    <a16:rowId xmlns:a16="http://schemas.microsoft.com/office/drawing/2014/main" xmlns="" val="882433568"/>
                   </a:ext>
                 </a:extLst>
               </a:tr>
@@ -16194,7 +16201,7 @@
         </p:nvGraphicFramePr>
         <p:xfrm>
           <a:off x="696685" y="3946489"/>
-          <a:ext cx="8596668" cy="2530732"/>
+          <a:ext cx="8596668" cy="2609218"/>
         </p:xfrm>
         <a:graphic>
           <a:graphicData uri="http://schemas.openxmlformats.org/drawingml/2006/table">
@@ -16206,14 +16213,14 @@
                 <a:gridCol w="4298334">
                   <a:extLst>
                     <a:ext uri="{9D8B030D-6E8A-4147-A177-3AD203B41FA5}">
-                      <a16:colId xmlns:a16="http://schemas.microsoft.com/office/drawing/2014/main" val="1361988774"/>
+                      <a16:colId xmlns:a16="http://schemas.microsoft.com/office/drawing/2014/main" xmlns="" val="1361988774"/>
                     </a:ext>
                   </a:extLst>
                 </a:gridCol>
                 <a:gridCol w="4298334">
                   <a:extLst>
                     <a:ext uri="{9D8B030D-6E8A-4147-A177-3AD203B41FA5}">
-                      <a16:colId xmlns:a16="http://schemas.microsoft.com/office/drawing/2014/main" val="3084832522"/>
+                      <a16:colId xmlns:a16="http://schemas.microsoft.com/office/drawing/2014/main" xmlns="" val="3084832522"/>
                     </a:ext>
                   </a:extLst>
                 </a:gridCol>
@@ -16281,7 +16288,7 @@
                 </a:tc>
                 <a:extLst>
                   <a:ext uri="{0D108BD9-81ED-4DB2-BD59-A6C34878D82A}">
-                    <a16:rowId xmlns:a16="http://schemas.microsoft.com/office/drawing/2014/main" val="3112593323"/>
+                    <a16:rowId xmlns:a16="http://schemas.microsoft.com/office/drawing/2014/main" xmlns="" val="3112593323"/>
                   </a:ext>
                 </a:extLst>
               </a:tr>
@@ -16348,7 +16355,7 @@
                 </a:tc>
                 <a:extLst>
                   <a:ext uri="{0D108BD9-81ED-4DB2-BD59-A6C34878D82A}">
-                    <a16:rowId xmlns:a16="http://schemas.microsoft.com/office/drawing/2014/main" val="346919577"/>
+                    <a16:rowId xmlns:a16="http://schemas.microsoft.com/office/drawing/2014/main" xmlns="" val="346919577"/>
                   </a:ext>
                 </a:extLst>
               </a:tr>
@@ -16398,7 +16405,7 @@
                 </a:tc>
                 <a:extLst>
                   <a:ext uri="{0D108BD9-81ED-4DB2-BD59-A6C34878D82A}">
-                    <a16:rowId xmlns:a16="http://schemas.microsoft.com/office/drawing/2014/main" val="3963181346"/>
+                    <a16:rowId xmlns:a16="http://schemas.microsoft.com/office/drawing/2014/main" xmlns="" val="3963181346"/>
                   </a:ext>
                 </a:extLst>
               </a:tr>
@@ -16446,7 +16453,7 @@
                 </a:tc>
                 <a:extLst>
                   <a:ext uri="{0D108BD9-81ED-4DB2-BD59-A6C34878D82A}">
-                    <a16:rowId xmlns:a16="http://schemas.microsoft.com/office/drawing/2014/main" val="1435972519"/>
+                    <a16:rowId xmlns:a16="http://schemas.microsoft.com/office/drawing/2014/main" xmlns="" val="1435972519"/>
                   </a:ext>
                 </a:extLst>
               </a:tr>
@@ -16496,7 +16503,7 @@
                 </a:tc>
                 <a:extLst>
                   <a:ext uri="{0D108BD9-81ED-4DB2-BD59-A6C34878D82A}">
-                    <a16:rowId xmlns:a16="http://schemas.microsoft.com/office/drawing/2014/main" val="1257372480"/>
+                    <a16:rowId xmlns:a16="http://schemas.microsoft.com/office/drawing/2014/main" xmlns="" val="1257372480"/>
                   </a:ext>
                 </a:extLst>
               </a:tr>
@@ -16544,7 +16551,7 @@
                 </a:tc>
                 <a:extLst>
                   <a:ext uri="{0D108BD9-81ED-4DB2-BD59-A6C34878D82A}">
-                    <a16:rowId xmlns:a16="http://schemas.microsoft.com/office/drawing/2014/main" val="3621064398"/>
+                    <a16:rowId xmlns:a16="http://schemas.microsoft.com/office/drawing/2014/main" xmlns="" val="3621064398"/>
                   </a:ext>
                 </a:extLst>
               </a:tr>
@@ -16647,7 +16654,7 @@
         </p:nvGraphicFramePr>
         <p:xfrm>
           <a:off x="795088" y="1315357"/>
-          <a:ext cx="9176226" cy="2442530"/>
+          <a:ext cx="9176226" cy="2511110"/>
         </p:xfrm>
         <a:graphic>
           <a:graphicData uri="http://schemas.openxmlformats.org/drawingml/2006/table">
@@ -16659,14 +16666,14 @@
                 <a:gridCol w="4588113">
                   <a:extLst>
                     <a:ext uri="{9D8B030D-6E8A-4147-A177-3AD203B41FA5}">
-                      <a16:colId xmlns:a16="http://schemas.microsoft.com/office/drawing/2014/main" val="2633711309"/>
+                      <a16:colId xmlns:a16="http://schemas.microsoft.com/office/drawing/2014/main" xmlns="" val="2633711309"/>
                     </a:ext>
                   </a:extLst>
                 </a:gridCol>
                 <a:gridCol w="4588113">
                   <a:extLst>
                     <a:ext uri="{9D8B030D-6E8A-4147-A177-3AD203B41FA5}">
-                      <a16:colId xmlns:a16="http://schemas.microsoft.com/office/drawing/2014/main" val="972793659"/>
+                      <a16:colId xmlns:a16="http://schemas.microsoft.com/office/drawing/2014/main" xmlns="" val="972793659"/>
                     </a:ext>
                   </a:extLst>
                 </a:gridCol>
@@ -16734,7 +16741,7 @@
                 </a:tc>
                 <a:extLst>
                   <a:ext uri="{0D108BD9-81ED-4DB2-BD59-A6C34878D82A}">
-                    <a16:rowId xmlns:a16="http://schemas.microsoft.com/office/drawing/2014/main" val="1509347957"/>
+                    <a16:rowId xmlns:a16="http://schemas.microsoft.com/office/drawing/2014/main" xmlns="" val="1509347957"/>
                   </a:ext>
                 </a:extLst>
               </a:tr>
@@ -16801,7 +16808,7 @@
                 </a:tc>
                 <a:extLst>
                   <a:ext uri="{0D108BD9-81ED-4DB2-BD59-A6C34878D82A}">
-                    <a16:rowId xmlns:a16="http://schemas.microsoft.com/office/drawing/2014/main" val="1177572241"/>
+                    <a16:rowId xmlns:a16="http://schemas.microsoft.com/office/drawing/2014/main" xmlns="" val="1177572241"/>
                   </a:ext>
                 </a:extLst>
               </a:tr>
@@ -16851,7 +16858,7 @@
                 </a:tc>
                 <a:extLst>
                   <a:ext uri="{0D108BD9-81ED-4DB2-BD59-A6C34878D82A}">
-                    <a16:rowId xmlns:a16="http://schemas.microsoft.com/office/drawing/2014/main" val="3168310989"/>
+                    <a16:rowId xmlns:a16="http://schemas.microsoft.com/office/drawing/2014/main" xmlns="" val="3168310989"/>
                   </a:ext>
                 </a:extLst>
               </a:tr>
@@ -16899,7 +16906,7 @@
                 </a:tc>
                 <a:extLst>
                   <a:ext uri="{0D108BD9-81ED-4DB2-BD59-A6C34878D82A}">
-                    <a16:rowId xmlns:a16="http://schemas.microsoft.com/office/drawing/2014/main" val="4131590419"/>
+                    <a16:rowId xmlns:a16="http://schemas.microsoft.com/office/drawing/2014/main" xmlns="" val="4131590419"/>
                   </a:ext>
                 </a:extLst>
               </a:tr>
@@ -16949,7 +16956,7 @@
                 </a:tc>
                 <a:extLst>
                   <a:ext uri="{0D108BD9-81ED-4DB2-BD59-A6C34878D82A}">
-                    <a16:rowId xmlns:a16="http://schemas.microsoft.com/office/drawing/2014/main" val="3652474922"/>
+                    <a16:rowId xmlns:a16="http://schemas.microsoft.com/office/drawing/2014/main" xmlns="" val="3652474922"/>
                   </a:ext>
                 </a:extLst>
               </a:tr>
@@ -17016,7 +17023,7 @@
                 </a:tc>
                 <a:extLst>
                   <a:ext uri="{0D108BD9-81ED-4DB2-BD59-A6C34878D82A}">
-                    <a16:rowId xmlns:a16="http://schemas.microsoft.com/office/drawing/2014/main" val="1700627841"/>
+                    <a16:rowId xmlns:a16="http://schemas.microsoft.com/office/drawing/2014/main" xmlns="" val="1700627841"/>
                   </a:ext>
                 </a:extLst>
               </a:tr>
@@ -17068,7 +17075,7 @@
         </p:nvGraphicFramePr>
         <p:xfrm>
           <a:off x="795088" y="4117235"/>
-          <a:ext cx="9176226" cy="2442530"/>
+          <a:ext cx="9176226" cy="2511110"/>
         </p:xfrm>
         <a:graphic>
           <a:graphicData uri="http://schemas.openxmlformats.org/drawingml/2006/table">
@@ -17080,14 +17087,14 @@
                 <a:gridCol w="4588113">
                   <a:extLst>
                     <a:ext uri="{9D8B030D-6E8A-4147-A177-3AD203B41FA5}">
-                      <a16:colId xmlns:a16="http://schemas.microsoft.com/office/drawing/2014/main" val="2594664825"/>
+                      <a16:colId xmlns:a16="http://schemas.microsoft.com/office/drawing/2014/main" xmlns="" val="2594664825"/>
                     </a:ext>
                   </a:extLst>
                 </a:gridCol>
                 <a:gridCol w="4588113">
                   <a:extLst>
                     <a:ext uri="{9D8B030D-6E8A-4147-A177-3AD203B41FA5}">
-                      <a16:colId xmlns:a16="http://schemas.microsoft.com/office/drawing/2014/main" val="3060804039"/>
+                      <a16:colId xmlns:a16="http://schemas.microsoft.com/office/drawing/2014/main" xmlns="" val="3060804039"/>
                     </a:ext>
                   </a:extLst>
                 </a:gridCol>
@@ -17155,7 +17162,7 @@
                 </a:tc>
                 <a:extLst>
                   <a:ext uri="{0D108BD9-81ED-4DB2-BD59-A6C34878D82A}">
-                    <a16:rowId xmlns:a16="http://schemas.microsoft.com/office/drawing/2014/main" val="2841775941"/>
+                    <a16:rowId xmlns:a16="http://schemas.microsoft.com/office/drawing/2014/main" xmlns="" val="2841775941"/>
                   </a:ext>
                 </a:extLst>
               </a:tr>
@@ -17241,7 +17248,7 @@
                 </a:tc>
                 <a:extLst>
                   <a:ext uri="{0D108BD9-81ED-4DB2-BD59-A6C34878D82A}">
-                    <a16:rowId xmlns:a16="http://schemas.microsoft.com/office/drawing/2014/main" val="597810905"/>
+                    <a16:rowId xmlns:a16="http://schemas.microsoft.com/office/drawing/2014/main" xmlns="" val="597810905"/>
                   </a:ext>
                 </a:extLst>
               </a:tr>
@@ -17291,7 +17298,7 @@
                 </a:tc>
                 <a:extLst>
                   <a:ext uri="{0D108BD9-81ED-4DB2-BD59-A6C34878D82A}">
-                    <a16:rowId xmlns:a16="http://schemas.microsoft.com/office/drawing/2014/main" val="2813846479"/>
+                    <a16:rowId xmlns:a16="http://schemas.microsoft.com/office/drawing/2014/main" xmlns="" val="2813846479"/>
                   </a:ext>
                 </a:extLst>
               </a:tr>
@@ -17358,7 +17365,7 @@
                 </a:tc>
                 <a:extLst>
                   <a:ext uri="{0D108BD9-81ED-4DB2-BD59-A6C34878D82A}">
-                    <a16:rowId xmlns:a16="http://schemas.microsoft.com/office/drawing/2014/main" val="2183544395"/>
+                    <a16:rowId xmlns:a16="http://schemas.microsoft.com/office/drawing/2014/main" xmlns="" val="2183544395"/>
                   </a:ext>
                 </a:extLst>
               </a:tr>
@@ -17408,7 +17415,7 @@
                 </a:tc>
                 <a:extLst>
                   <a:ext uri="{0D108BD9-81ED-4DB2-BD59-A6C34878D82A}">
-                    <a16:rowId xmlns:a16="http://schemas.microsoft.com/office/drawing/2014/main" val="326947680"/>
+                    <a16:rowId xmlns:a16="http://schemas.microsoft.com/office/drawing/2014/main" xmlns="" val="326947680"/>
                   </a:ext>
                 </a:extLst>
               </a:tr>
@@ -17456,7 +17463,7 @@
                 </a:tc>
                 <a:extLst>
                   <a:ext uri="{0D108BD9-81ED-4DB2-BD59-A6C34878D82A}">
-                    <a16:rowId xmlns:a16="http://schemas.microsoft.com/office/drawing/2014/main" val="601782818"/>
+                    <a16:rowId xmlns:a16="http://schemas.microsoft.com/office/drawing/2014/main" xmlns="" val="601782818"/>
                   </a:ext>
                 </a:extLst>
               </a:tr>
@@ -17581,7 +17588,7 @@
         </p:nvGraphicFramePr>
         <p:xfrm>
           <a:off x="780572" y="1282503"/>
-          <a:ext cx="9829370" cy="2563370"/>
+          <a:ext cx="9829370" cy="2609090"/>
         </p:xfrm>
         <a:graphic>
           <a:graphicData uri="http://schemas.openxmlformats.org/drawingml/2006/table">
@@ -17593,14 +17600,14 @@
                 <a:gridCol w="1628799">
                   <a:extLst>
                     <a:ext uri="{9D8B030D-6E8A-4147-A177-3AD203B41FA5}">
-                      <a16:colId xmlns:a16="http://schemas.microsoft.com/office/drawing/2014/main" val="2227023441"/>
+                      <a16:colId xmlns:a16="http://schemas.microsoft.com/office/drawing/2014/main" xmlns="" val="2227023441"/>
                     </a:ext>
                   </a:extLst>
                 </a:gridCol>
                 <a:gridCol w="8200571">
                   <a:extLst>
                     <a:ext uri="{9D8B030D-6E8A-4147-A177-3AD203B41FA5}">
-                      <a16:colId xmlns:a16="http://schemas.microsoft.com/office/drawing/2014/main" val="3471218426"/>
+                      <a16:colId xmlns:a16="http://schemas.microsoft.com/office/drawing/2014/main" xmlns="" val="3471218426"/>
                     </a:ext>
                   </a:extLst>
                 </a:gridCol>
@@ -17668,7 +17675,7 @@
                 </a:tc>
                 <a:extLst>
                   <a:ext uri="{0D108BD9-81ED-4DB2-BD59-A6C34878D82A}">
-                    <a16:rowId xmlns:a16="http://schemas.microsoft.com/office/drawing/2014/main" val="357435928"/>
+                    <a16:rowId xmlns:a16="http://schemas.microsoft.com/office/drawing/2014/main" xmlns="" val="357435928"/>
                   </a:ext>
                 </a:extLst>
               </a:tr>
@@ -17754,7 +17761,7 @@
                 </a:tc>
                 <a:extLst>
                   <a:ext uri="{0D108BD9-81ED-4DB2-BD59-A6C34878D82A}">
-                    <a16:rowId xmlns:a16="http://schemas.microsoft.com/office/drawing/2014/main" val="3093836235"/>
+                    <a16:rowId xmlns:a16="http://schemas.microsoft.com/office/drawing/2014/main" xmlns="" val="3093836235"/>
                   </a:ext>
                 </a:extLst>
               </a:tr>
@@ -17802,7 +17809,7 @@
                 </a:tc>
                 <a:extLst>
                   <a:ext uri="{0D108BD9-81ED-4DB2-BD59-A6C34878D82A}">
-                    <a16:rowId xmlns:a16="http://schemas.microsoft.com/office/drawing/2014/main" val="4278992057"/>
+                    <a16:rowId xmlns:a16="http://schemas.microsoft.com/office/drawing/2014/main" xmlns="" val="4278992057"/>
                   </a:ext>
                 </a:extLst>
               </a:tr>
@@ -17869,7 +17876,7 @@
                 </a:tc>
                 <a:extLst>
                   <a:ext uri="{0D108BD9-81ED-4DB2-BD59-A6C34878D82A}">
-                    <a16:rowId xmlns:a16="http://schemas.microsoft.com/office/drawing/2014/main" val="3940143909"/>
+                    <a16:rowId xmlns:a16="http://schemas.microsoft.com/office/drawing/2014/main" xmlns="" val="3940143909"/>
                   </a:ext>
                 </a:extLst>
               </a:tr>
@@ -17917,7 +17924,7 @@
                 </a:tc>
                 <a:extLst>
                   <a:ext uri="{0D108BD9-81ED-4DB2-BD59-A6C34878D82A}">
-                    <a16:rowId xmlns:a16="http://schemas.microsoft.com/office/drawing/2014/main" val="4191139543"/>
+                    <a16:rowId xmlns:a16="http://schemas.microsoft.com/office/drawing/2014/main" xmlns="" val="4191139543"/>
                   </a:ext>
                 </a:extLst>
               </a:tr>
@@ -17984,7 +17991,7 @@
                 </a:tc>
                 <a:extLst>
                   <a:ext uri="{0D108BD9-81ED-4DB2-BD59-A6C34878D82A}">
-                    <a16:rowId xmlns:a16="http://schemas.microsoft.com/office/drawing/2014/main" val="1671041541"/>
+                    <a16:rowId xmlns:a16="http://schemas.microsoft.com/office/drawing/2014/main" xmlns="" val="1671041541"/>
                   </a:ext>
                 </a:extLst>
               </a:tr>
@@ -18008,7 +18015,7 @@
         </p:nvGraphicFramePr>
         <p:xfrm>
           <a:off x="780572" y="4225857"/>
-          <a:ext cx="9829370" cy="1780543"/>
+          <a:ext cx="9829370" cy="1826263"/>
         </p:xfrm>
         <a:graphic>
           <a:graphicData uri="http://schemas.openxmlformats.org/drawingml/2006/table">
@@ -18020,14 +18027,14 @@
                 <a:gridCol w="1411085">
                   <a:extLst>
                     <a:ext uri="{9D8B030D-6E8A-4147-A177-3AD203B41FA5}">
-                      <a16:colId xmlns:a16="http://schemas.microsoft.com/office/drawing/2014/main" val="263338431"/>
+                      <a16:colId xmlns:a16="http://schemas.microsoft.com/office/drawing/2014/main" xmlns="" val="263338431"/>
                     </a:ext>
                   </a:extLst>
                 </a:gridCol>
                 <a:gridCol w="8418285">
                   <a:extLst>
                     <a:ext uri="{9D8B030D-6E8A-4147-A177-3AD203B41FA5}">
-                      <a16:colId xmlns:a16="http://schemas.microsoft.com/office/drawing/2014/main" val="826198037"/>
+                      <a16:colId xmlns:a16="http://schemas.microsoft.com/office/drawing/2014/main" xmlns="" val="826198037"/>
                     </a:ext>
                   </a:extLst>
                 </a:gridCol>
@@ -18095,7 +18102,7 @@
                 </a:tc>
                 <a:extLst>
                   <a:ext uri="{0D108BD9-81ED-4DB2-BD59-A6C34878D82A}">
-                    <a16:rowId xmlns:a16="http://schemas.microsoft.com/office/drawing/2014/main" val="3794574783"/>
+                    <a16:rowId xmlns:a16="http://schemas.microsoft.com/office/drawing/2014/main" xmlns="" val="3794574783"/>
                   </a:ext>
                 </a:extLst>
               </a:tr>
@@ -18181,7 +18188,7 @@
                 </a:tc>
                 <a:extLst>
                   <a:ext uri="{0D108BD9-81ED-4DB2-BD59-A6C34878D82A}">
-                    <a16:rowId xmlns:a16="http://schemas.microsoft.com/office/drawing/2014/main" val="1591569738"/>
+                    <a16:rowId xmlns:a16="http://schemas.microsoft.com/office/drawing/2014/main" xmlns="" val="1591569738"/>
                   </a:ext>
                 </a:extLst>
               </a:tr>
@@ -18231,7 +18238,7 @@
                 </a:tc>
                 <a:extLst>
                   <a:ext uri="{0D108BD9-81ED-4DB2-BD59-A6C34878D82A}">
-                    <a16:rowId xmlns:a16="http://schemas.microsoft.com/office/drawing/2014/main" val="708681270"/>
+                    <a16:rowId xmlns:a16="http://schemas.microsoft.com/office/drawing/2014/main" xmlns="" val="708681270"/>
                   </a:ext>
                 </a:extLst>
               </a:tr>
@@ -18279,7 +18286,7 @@
                 </a:tc>
                 <a:extLst>
                   <a:ext uri="{0D108BD9-81ED-4DB2-BD59-A6C34878D82A}">
-                    <a16:rowId xmlns:a16="http://schemas.microsoft.com/office/drawing/2014/main" val="3158848989"/>
+                    <a16:rowId xmlns:a16="http://schemas.microsoft.com/office/drawing/2014/main" xmlns="" val="3158848989"/>
                   </a:ext>
                 </a:extLst>
               </a:tr>
@@ -18329,7 +18336,7 @@
                 </a:tc>
                 <a:extLst>
                   <a:ext uri="{0D108BD9-81ED-4DB2-BD59-A6C34878D82A}">
-                    <a16:rowId xmlns:a16="http://schemas.microsoft.com/office/drawing/2014/main" val="1739050061"/>
+                    <a16:rowId xmlns:a16="http://schemas.microsoft.com/office/drawing/2014/main" xmlns="" val="1739050061"/>
                   </a:ext>
                 </a:extLst>
               </a:tr>
@@ -18377,7 +18384,7 @@
                 </a:tc>
                 <a:extLst>
                   <a:ext uri="{0D108BD9-81ED-4DB2-BD59-A6C34878D82A}">
-                    <a16:rowId xmlns:a16="http://schemas.microsoft.com/office/drawing/2014/main" val="1339047552"/>
+                    <a16:rowId xmlns:a16="http://schemas.microsoft.com/office/drawing/2014/main" xmlns="" val="1339047552"/>
                   </a:ext>
                 </a:extLst>
               </a:tr>
@@ -18650,14 +18657,14 @@
                 <a:gridCol w="984832">
                   <a:extLst>
                     <a:ext uri="{9D8B030D-6E8A-4147-A177-3AD203B41FA5}">
-                      <a16:colId xmlns:a16="http://schemas.microsoft.com/office/drawing/2014/main" val="3769258859"/>
+                      <a16:colId xmlns:a16="http://schemas.microsoft.com/office/drawing/2014/main" xmlns="" val="3769258859"/>
                     </a:ext>
                   </a:extLst>
                 </a:gridCol>
                 <a:gridCol w="3649609">
                   <a:extLst>
                     <a:ext uri="{9D8B030D-6E8A-4147-A177-3AD203B41FA5}">
-                      <a16:colId xmlns:a16="http://schemas.microsoft.com/office/drawing/2014/main" val="4013452096"/>
+                      <a16:colId xmlns:a16="http://schemas.microsoft.com/office/drawing/2014/main" xmlns="" val="4013452096"/>
                     </a:ext>
                   </a:extLst>
                 </a:gridCol>
@@ -18725,7 +18732,7 @@
                 </a:tc>
                 <a:extLst>
                   <a:ext uri="{0D108BD9-81ED-4DB2-BD59-A6C34878D82A}">
-                    <a16:rowId xmlns:a16="http://schemas.microsoft.com/office/drawing/2014/main" val="2366928654"/>
+                    <a16:rowId xmlns:a16="http://schemas.microsoft.com/office/drawing/2014/main" xmlns="" val="2366928654"/>
                   </a:ext>
                 </a:extLst>
               </a:tr>
@@ -18792,7 +18799,7 @@
                 </a:tc>
                 <a:extLst>
                   <a:ext uri="{0D108BD9-81ED-4DB2-BD59-A6C34878D82A}">
-                    <a16:rowId xmlns:a16="http://schemas.microsoft.com/office/drawing/2014/main" val="1958043892"/>
+                    <a16:rowId xmlns:a16="http://schemas.microsoft.com/office/drawing/2014/main" xmlns="" val="1958043892"/>
                   </a:ext>
                 </a:extLst>
               </a:tr>
@@ -19059,7 +19066,7 @@
                 </a:tc>
                 <a:extLst>
                   <a:ext uri="{0D108BD9-81ED-4DB2-BD59-A6C34878D82A}">
-                    <a16:rowId xmlns:a16="http://schemas.microsoft.com/office/drawing/2014/main" val="4044008326"/>
+                    <a16:rowId xmlns:a16="http://schemas.microsoft.com/office/drawing/2014/main" xmlns="" val="4044008326"/>
                   </a:ext>
                 </a:extLst>
               </a:tr>
@@ -19126,7 +19133,7 @@
                 </a:tc>
                 <a:extLst>
                   <a:ext uri="{0D108BD9-81ED-4DB2-BD59-A6C34878D82A}">
-                    <a16:rowId xmlns:a16="http://schemas.microsoft.com/office/drawing/2014/main" val="2719805099"/>
+                    <a16:rowId xmlns:a16="http://schemas.microsoft.com/office/drawing/2014/main" xmlns="" val="2719805099"/>
                   </a:ext>
                 </a:extLst>
               </a:tr>
@@ -19162,14 +19169,14 @@
                 <a:gridCol w="1028700">
                   <a:extLst>
                     <a:ext uri="{9D8B030D-6E8A-4147-A177-3AD203B41FA5}">
-                      <a16:colId xmlns:a16="http://schemas.microsoft.com/office/drawing/2014/main" val="3953900641"/>
+                      <a16:colId xmlns:a16="http://schemas.microsoft.com/office/drawing/2014/main" xmlns="" val="3953900641"/>
                     </a:ext>
                   </a:extLst>
                 </a:gridCol>
                 <a:gridCol w="5343525">
                   <a:extLst>
                     <a:ext uri="{9D8B030D-6E8A-4147-A177-3AD203B41FA5}">
-                      <a16:colId xmlns:a16="http://schemas.microsoft.com/office/drawing/2014/main" val="586869367"/>
+                      <a16:colId xmlns:a16="http://schemas.microsoft.com/office/drawing/2014/main" xmlns="" val="586869367"/>
                     </a:ext>
                   </a:extLst>
                 </a:gridCol>
@@ -19237,7 +19244,7 @@
                 </a:tc>
                 <a:extLst>
                   <a:ext uri="{0D108BD9-81ED-4DB2-BD59-A6C34878D82A}">
-                    <a16:rowId xmlns:a16="http://schemas.microsoft.com/office/drawing/2014/main" val="1857931399"/>
+                    <a16:rowId xmlns:a16="http://schemas.microsoft.com/office/drawing/2014/main" xmlns="" val="1857931399"/>
                   </a:ext>
                 </a:extLst>
               </a:tr>
@@ -19304,7 +19311,7 @@
                 </a:tc>
                 <a:extLst>
                   <a:ext uri="{0D108BD9-81ED-4DB2-BD59-A6C34878D82A}">
-                    <a16:rowId xmlns:a16="http://schemas.microsoft.com/office/drawing/2014/main" val="4067677551"/>
+                    <a16:rowId xmlns:a16="http://schemas.microsoft.com/office/drawing/2014/main" xmlns="" val="4067677551"/>
                   </a:ext>
                 </a:extLst>
               </a:tr>
@@ -19455,7 +19462,7 @@
                 </a:tc>
                 <a:extLst>
                   <a:ext uri="{0D108BD9-81ED-4DB2-BD59-A6C34878D82A}">
-                    <a16:rowId xmlns:a16="http://schemas.microsoft.com/office/drawing/2014/main" val="3107207131"/>
+                    <a16:rowId xmlns:a16="http://schemas.microsoft.com/office/drawing/2014/main" xmlns="" val="3107207131"/>
                   </a:ext>
                 </a:extLst>
               </a:tr>
@@ -19522,7 +19529,7 @@
                 </a:tc>
                 <a:extLst>
                   <a:ext uri="{0D108BD9-81ED-4DB2-BD59-A6C34878D82A}">
-                    <a16:rowId xmlns:a16="http://schemas.microsoft.com/office/drawing/2014/main" val="106359467"/>
+                    <a16:rowId xmlns:a16="http://schemas.microsoft.com/office/drawing/2014/main" xmlns="" val="106359467"/>
                   </a:ext>
                 </a:extLst>
               </a:tr>
@@ -19665,14 +19672,14 @@
                 <a:gridCol w="1510332">
                   <a:extLst>
                     <a:ext uri="{9D8B030D-6E8A-4147-A177-3AD203B41FA5}">
-                      <a16:colId xmlns:a16="http://schemas.microsoft.com/office/drawing/2014/main" val="3862464198"/>
+                      <a16:colId xmlns:a16="http://schemas.microsoft.com/office/drawing/2014/main" xmlns="" val="3862464198"/>
                     </a:ext>
                   </a:extLst>
                 </a:gridCol>
                 <a:gridCol w="7845334">
                   <a:extLst>
                     <a:ext uri="{9D8B030D-6E8A-4147-A177-3AD203B41FA5}">
-                      <a16:colId xmlns:a16="http://schemas.microsoft.com/office/drawing/2014/main" val="1316464992"/>
+                      <a16:colId xmlns:a16="http://schemas.microsoft.com/office/drawing/2014/main" xmlns="" val="1316464992"/>
                     </a:ext>
                   </a:extLst>
                 </a:gridCol>
@@ -19740,7 +19747,7 @@
                 </a:tc>
                 <a:extLst>
                   <a:ext uri="{0D108BD9-81ED-4DB2-BD59-A6C34878D82A}">
-                    <a16:rowId xmlns:a16="http://schemas.microsoft.com/office/drawing/2014/main" val="1300356755"/>
+                    <a16:rowId xmlns:a16="http://schemas.microsoft.com/office/drawing/2014/main" xmlns="" val="1300356755"/>
                   </a:ext>
                 </a:extLst>
               </a:tr>
@@ -19807,7 +19814,7 @@
                 </a:tc>
                 <a:extLst>
                   <a:ext uri="{0D108BD9-81ED-4DB2-BD59-A6C34878D82A}">
-                    <a16:rowId xmlns:a16="http://schemas.microsoft.com/office/drawing/2014/main" val="2043942967"/>
+                    <a16:rowId xmlns:a16="http://schemas.microsoft.com/office/drawing/2014/main" xmlns="" val="2043942967"/>
                   </a:ext>
                 </a:extLst>
               </a:tr>
@@ -19958,7 +19965,7 @@
                 </a:tc>
                 <a:extLst>
                   <a:ext uri="{0D108BD9-81ED-4DB2-BD59-A6C34878D82A}">
-                    <a16:rowId xmlns:a16="http://schemas.microsoft.com/office/drawing/2014/main" val="3803856114"/>
+                    <a16:rowId xmlns:a16="http://schemas.microsoft.com/office/drawing/2014/main" xmlns="" val="3803856114"/>
                   </a:ext>
                 </a:extLst>
               </a:tr>
@@ -20025,7 +20032,7 @@
                 </a:tc>
                 <a:extLst>
                   <a:ext uri="{0D108BD9-81ED-4DB2-BD59-A6C34878D82A}">
-                    <a16:rowId xmlns:a16="http://schemas.microsoft.com/office/drawing/2014/main" val="2710359519"/>
+                    <a16:rowId xmlns:a16="http://schemas.microsoft.com/office/drawing/2014/main" xmlns="" val="2710359519"/>
                   </a:ext>
                 </a:extLst>
               </a:tr>
@@ -20061,14 +20068,14 @@
                 <a:gridCol w="1510332">
                   <a:extLst>
                     <a:ext uri="{9D8B030D-6E8A-4147-A177-3AD203B41FA5}">
-                      <a16:colId xmlns:a16="http://schemas.microsoft.com/office/drawing/2014/main" val="142215336"/>
+                      <a16:colId xmlns:a16="http://schemas.microsoft.com/office/drawing/2014/main" xmlns="" val="142215336"/>
                     </a:ext>
                   </a:extLst>
                 </a:gridCol>
                 <a:gridCol w="7845334">
                   <a:extLst>
                     <a:ext uri="{9D8B030D-6E8A-4147-A177-3AD203B41FA5}">
-                      <a16:colId xmlns:a16="http://schemas.microsoft.com/office/drawing/2014/main" val="3111469723"/>
+                      <a16:colId xmlns:a16="http://schemas.microsoft.com/office/drawing/2014/main" xmlns="" val="3111469723"/>
                     </a:ext>
                   </a:extLst>
                 </a:gridCol>
@@ -20136,7 +20143,7 @@
                 </a:tc>
                 <a:extLst>
                   <a:ext uri="{0D108BD9-81ED-4DB2-BD59-A6C34878D82A}">
-                    <a16:rowId xmlns:a16="http://schemas.microsoft.com/office/drawing/2014/main" val="655010551"/>
+                    <a16:rowId xmlns:a16="http://schemas.microsoft.com/office/drawing/2014/main" xmlns="" val="655010551"/>
                   </a:ext>
                 </a:extLst>
               </a:tr>
@@ -20203,7 +20210,7 @@
                 </a:tc>
                 <a:extLst>
                   <a:ext uri="{0D108BD9-81ED-4DB2-BD59-A6C34878D82A}">
-                    <a16:rowId xmlns:a16="http://schemas.microsoft.com/office/drawing/2014/main" val="2344049167"/>
+                    <a16:rowId xmlns:a16="http://schemas.microsoft.com/office/drawing/2014/main" xmlns="" val="2344049167"/>
                   </a:ext>
                 </a:extLst>
               </a:tr>
@@ -20379,7 +20386,7 @@
                 </a:tc>
                 <a:extLst>
                   <a:ext uri="{0D108BD9-81ED-4DB2-BD59-A6C34878D82A}">
-                    <a16:rowId xmlns:a16="http://schemas.microsoft.com/office/drawing/2014/main" val="664388756"/>
+                    <a16:rowId xmlns:a16="http://schemas.microsoft.com/office/drawing/2014/main" xmlns="" val="664388756"/>
                   </a:ext>
                 </a:extLst>
               </a:tr>
@@ -20446,7 +20453,7 @@
                 </a:tc>
                 <a:extLst>
                   <a:ext uri="{0D108BD9-81ED-4DB2-BD59-A6C34878D82A}">
-                    <a16:rowId xmlns:a16="http://schemas.microsoft.com/office/drawing/2014/main" val="1874941402"/>
+                    <a16:rowId xmlns:a16="http://schemas.microsoft.com/office/drawing/2014/main" xmlns="" val="1874941402"/>
                   </a:ext>
                 </a:extLst>
               </a:tr>
@@ -22890,7 +22897,6 @@
               <a:rPr lang="es-CO" sz="2400" dirty="0"/>
               <a:t>con un margen de generalización limitado. </a:t>
             </a:r>
-            <a:endParaRPr lang="es-CO" sz="2400" dirty="0"/>
           </a:p>
         </p:txBody>
       </p:sp>
@@ -23637,21 +23643,21 @@
                 <a:gridCol w="2942728">
                   <a:extLst>
                     <a:ext uri="{9D8B030D-6E8A-4147-A177-3AD203B41FA5}">
-                      <a16:colId xmlns:a16="http://schemas.microsoft.com/office/drawing/2014/main" val="680192463"/>
+                      <a16:colId xmlns:a16="http://schemas.microsoft.com/office/drawing/2014/main" xmlns="" val="680192463"/>
                     </a:ext>
                   </a:extLst>
                 </a:gridCol>
                 <a:gridCol w="2942728">
                   <a:extLst>
                     <a:ext uri="{9D8B030D-6E8A-4147-A177-3AD203B41FA5}">
-                      <a16:colId xmlns:a16="http://schemas.microsoft.com/office/drawing/2014/main" val="2323833393"/>
+                      <a16:colId xmlns:a16="http://schemas.microsoft.com/office/drawing/2014/main" xmlns="" val="2323833393"/>
                     </a:ext>
                   </a:extLst>
                 </a:gridCol>
                 <a:gridCol w="1290520">
                   <a:extLst>
                     <a:ext uri="{9D8B030D-6E8A-4147-A177-3AD203B41FA5}">
-                      <a16:colId xmlns:a16="http://schemas.microsoft.com/office/drawing/2014/main" val="2144765810"/>
+                      <a16:colId xmlns:a16="http://schemas.microsoft.com/office/drawing/2014/main" xmlns="" val="2144765810"/>
                     </a:ext>
                   </a:extLst>
                 </a:gridCol>
@@ -23752,7 +23758,7 @@
                 </a:tc>
                 <a:extLst>
                   <a:ext uri="{0D108BD9-81ED-4DB2-BD59-A6C34878D82A}">
-                    <a16:rowId xmlns:a16="http://schemas.microsoft.com/office/drawing/2014/main" val="880172427"/>
+                    <a16:rowId xmlns:a16="http://schemas.microsoft.com/office/drawing/2014/main" xmlns="" val="880172427"/>
                   </a:ext>
                 </a:extLst>
               </a:tr>
@@ -23854,7 +23860,7 @@
                 </a:tc>
                 <a:extLst>
                   <a:ext uri="{0D108BD9-81ED-4DB2-BD59-A6C34878D82A}">
-                    <a16:rowId xmlns:a16="http://schemas.microsoft.com/office/drawing/2014/main" val="371138552"/>
+                    <a16:rowId xmlns:a16="http://schemas.microsoft.com/office/drawing/2014/main" xmlns="" val="371138552"/>
                   </a:ext>
                 </a:extLst>
               </a:tr>
@@ -23956,7 +23962,7 @@
                 </a:tc>
                 <a:extLst>
                   <a:ext uri="{0D108BD9-81ED-4DB2-BD59-A6C34878D82A}">
-                    <a16:rowId xmlns:a16="http://schemas.microsoft.com/office/drawing/2014/main" val="3817603484"/>
+                    <a16:rowId xmlns:a16="http://schemas.microsoft.com/office/drawing/2014/main" xmlns="" val="3817603484"/>
                   </a:ext>
                 </a:extLst>
               </a:tr>
@@ -24058,7 +24064,7 @@
                 </a:tc>
                 <a:extLst>
                   <a:ext uri="{0D108BD9-81ED-4DB2-BD59-A6C34878D82A}">
-                    <a16:rowId xmlns:a16="http://schemas.microsoft.com/office/drawing/2014/main" val="1004923473"/>
+                    <a16:rowId xmlns:a16="http://schemas.microsoft.com/office/drawing/2014/main" xmlns="" val="1004923473"/>
                   </a:ext>
                 </a:extLst>
               </a:tr>
@@ -24160,7 +24166,7 @@
                 </a:tc>
                 <a:extLst>
                   <a:ext uri="{0D108BD9-81ED-4DB2-BD59-A6C34878D82A}">
-                    <a16:rowId xmlns:a16="http://schemas.microsoft.com/office/drawing/2014/main" val="4036124907"/>
+                    <a16:rowId xmlns:a16="http://schemas.microsoft.com/office/drawing/2014/main" xmlns="" val="4036124907"/>
                   </a:ext>
                 </a:extLst>
               </a:tr>
@@ -24262,7 +24268,7 @@
                 </a:tc>
                 <a:extLst>
                   <a:ext uri="{0D108BD9-81ED-4DB2-BD59-A6C34878D82A}">
-                    <a16:rowId xmlns:a16="http://schemas.microsoft.com/office/drawing/2014/main" val="3041605584"/>
+                    <a16:rowId xmlns:a16="http://schemas.microsoft.com/office/drawing/2014/main" xmlns="" val="3041605584"/>
                   </a:ext>
                 </a:extLst>
               </a:tr>
@@ -24364,7 +24370,7 @@
                 </a:tc>
                 <a:extLst>
                   <a:ext uri="{0D108BD9-81ED-4DB2-BD59-A6C34878D82A}">
-                    <a16:rowId xmlns:a16="http://schemas.microsoft.com/office/drawing/2014/main" val="4207635494"/>
+                    <a16:rowId xmlns:a16="http://schemas.microsoft.com/office/drawing/2014/main" xmlns="" val="4207635494"/>
                   </a:ext>
                 </a:extLst>
               </a:tr>
@@ -24486,25 +24492,6 @@
       </p:grpSpPr>
       <p:sp>
         <p:nvSpPr>
-          <p:cNvPr id="2" name="Título 1"/>
-          <p:cNvSpPr>
-            <a:spLocks noGrp="1"/>
-          </p:cNvSpPr>
-          <p:nvPr>
-            <p:ph type="title"/>
-          </p:nvPr>
-        </p:nvSpPr>
-        <p:spPr/>
-        <p:txBody>
-          <a:bodyPr/>
-          <a:lstStyle/>
-          <a:p>
-            <a:endParaRPr lang="es-CO" dirty="0"/>
-          </a:p>
-        </p:txBody>
-      </p:sp>
-      <p:sp>
-        <p:nvSpPr>
           <p:cNvPr id="3" name="Marcador de contenido 2"/>
           <p:cNvSpPr>
             <a:spLocks noGrp="1"/>
@@ -24567,21 +24554,21 @@
                 <a:gridCol w="3477381">
                   <a:extLst>
                     <a:ext uri="{9D8B030D-6E8A-4147-A177-3AD203B41FA5}">
-                      <a16:colId xmlns:a16="http://schemas.microsoft.com/office/drawing/2014/main" val="4063706990"/>
+                      <a16:colId xmlns:a16="http://schemas.microsoft.com/office/drawing/2014/main" xmlns="" val="4063706990"/>
                     </a:ext>
                   </a:extLst>
                 </a:gridCol>
                 <a:gridCol w="3477381">
                   <a:extLst>
                     <a:ext uri="{9D8B030D-6E8A-4147-A177-3AD203B41FA5}">
-                      <a16:colId xmlns:a16="http://schemas.microsoft.com/office/drawing/2014/main" val="1795733244"/>
+                      <a16:colId xmlns:a16="http://schemas.microsoft.com/office/drawing/2014/main" xmlns="" val="1795733244"/>
                     </a:ext>
                   </a:extLst>
                 </a:gridCol>
                 <a:gridCol w="1524967">
                   <a:extLst>
                     <a:ext uri="{9D8B030D-6E8A-4147-A177-3AD203B41FA5}">
-                      <a16:colId xmlns:a16="http://schemas.microsoft.com/office/drawing/2014/main" val="1782122646"/>
+                      <a16:colId xmlns:a16="http://schemas.microsoft.com/office/drawing/2014/main" xmlns="" val="1782122646"/>
                     </a:ext>
                   </a:extLst>
                 </a:gridCol>
@@ -24682,7 +24669,7 @@
                 </a:tc>
                 <a:extLst>
                   <a:ext uri="{0D108BD9-81ED-4DB2-BD59-A6C34878D82A}">
-                    <a16:rowId xmlns:a16="http://schemas.microsoft.com/office/drawing/2014/main" val="1590251672"/>
+                    <a16:rowId xmlns:a16="http://schemas.microsoft.com/office/drawing/2014/main" xmlns="" val="1590251672"/>
                   </a:ext>
                 </a:extLst>
               </a:tr>
@@ -24784,7 +24771,7 @@
                 </a:tc>
                 <a:extLst>
                   <a:ext uri="{0D108BD9-81ED-4DB2-BD59-A6C34878D82A}">
-                    <a16:rowId xmlns:a16="http://schemas.microsoft.com/office/drawing/2014/main" val="1259244004"/>
+                    <a16:rowId xmlns:a16="http://schemas.microsoft.com/office/drawing/2014/main" xmlns="" val="1259244004"/>
                   </a:ext>
                 </a:extLst>
               </a:tr>
@@ -24886,7 +24873,7 @@
                 </a:tc>
                 <a:extLst>
                   <a:ext uri="{0D108BD9-81ED-4DB2-BD59-A6C34878D82A}">
-                    <a16:rowId xmlns:a16="http://schemas.microsoft.com/office/drawing/2014/main" val="2908705271"/>
+                    <a16:rowId xmlns:a16="http://schemas.microsoft.com/office/drawing/2014/main" xmlns="" val="2908705271"/>
                   </a:ext>
                 </a:extLst>
               </a:tr>
@@ -24988,7 +24975,7 @@
                 </a:tc>
                 <a:extLst>
                   <a:ext uri="{0D108BD9-81ED-4DB2-BD59-A6C34878D82A}">
-                    <a16:rowId xmlns:a16="http://schemas.microsoft.com/office/drawing/2014/main" val="1326511486"/>
+                    <a16:rowId xmlns:a16="http://schemas.microsoft.com/office/drawing/2014/main" xmlns="" val="1326511486"/>
                   </a:ext>
                 </a:extLst>
               </a:tr>
@@ -25078,6 +25065,29 @@
           </a:extLst>
         </p:spPr>
       </p:pic>
+      <p:sp>
+        <p:nvSpPr>
+          <p:cNvPr id="7" name="Título 1"/>
+          <p:cNvSpPr>
+            <a:spLocks noGrp="1"/>
+          </p:cNvSpPr>
+          <p:nvPr>
+            <p:ph type="title"/>
+          </p:nvPr>
+        </p:nvSpPr>
+        <p:spPr/>
+        <p:txBody>
+          <a:bodyPr/>
+          <a:lstStyle/>
+          <a:p>
+            <a:r>
+              <a:rPr lang="es-CO" dirty="0" smtClean="0"/>
+              <a:t>Encuestas</a:t>
+            </a:r>
+            <a:endParaRPr lang="es-CO" dirty="0"/>
+          </a:p>
+        </p:txBody>
+      </p:sp>
     </p:spTree>
     <p:extLst>
       <p:ext uri="{BB962C8B-B14F-4D97-AF65-F5344CB8AC3E}">
